--- a/lab1/lab1_e/Lab1_Flash_LED.pptx
+++ b/lab1/lab1_e/Lab1_Flash_LED.pptx
@@ -5,20 +5,19 @@
     <p:sldMasterId id="2147483648" r:id="rId1"/>
   </p:sldMasterIdLst>
   <p:notesMasterIdLst>
-    <p:notesMasterId r:id="rId10"/>
+    <p:notesMasterId r:id="rId9"/>
   </p:notesMasterIdLst>
   <p:handoutMasterIdLst>
-    <p:handoutMasterId r:id="rId11"/>
+    <p:handoutMasterId r:id="rId10"/>
   </p:handoutMasterIdLst>
   <p:sldIdLst>
     <p:sldId id="270" r:id="rId2"/>
     <p:sldId id="271" r:id="rId3"/>
-    <p:sldId id="313" r:id="rId4"/>
-    <p:sldId id="315" r:id="rId5"/>
-    <p:sldId id="314" r:id="rId6"/>
-    <p:sldId id="320" r:id="rId7"/>
-    <p:sldId id="322" r:id="rId8"/>
-    <p:sldId id="321" r:id="rId9"/>
+    <p:sldId id="319" r:id="rId4"/>
+    <p:sldId id="313" r:id="rId5"/>
+    <p:sldId id="320" r:id="rId6"/>
+    <p:sldId id="322" r:id="rId7"/>
+    <p:sldId id="321" r:id="rId8"/>
   </p:sldIdLst>
   <p:sldSz cx="9144000" cy="6858000" type="screen4x3"/>
   <p:notesSz cx="6858000" cy="9144000"/>
@@ -270,7 +269,7 @@
           <a:p>
             <a:fld id="{B5D16032-49B4-40F0-8022-398539ABC750}" type="datetimeFigureOut">
               <a:rPr lang="zh-TW" altLang="en-US" smtClean="0"/>
-              <a:t>2023/2/24</a:t>
+              <a:t>2023/3/23</a:t>
             </a:fld>
             <a:endParaRPr lang="zh-TW" altLang="en-US"/>
           </a:p>
@@ -447,7 +446,7 @@
               <a:pPr>
                 <a:defRPr/>
               </a:pPr>
-              <a:t>2023/2/24</a:t>
+              <a:t>2023/3/23</a:t>
             </a:fld>
             <a:endParaRPr lang="zh-TW" altLang="en-US"/>
           </a:p>
@@ -9661,7 +9660,7 @@
             </a:br>
             <a:r>
               <a:rPr lang="en-US" altLang="zh-TW" sz="2000" dirty="0"/>
-              <a:t>2023.03.30</a:t>
+              <a:t>2023.03.22</a:t>
             </a:r>
             <a:endParaRPr lang="en-US" altLang="zh-TW" sz="3600" dirty="0"/>
           </a:p>
@@ -10134,41 +10133,8 @@
             </a:r>
             <a:r>
               <a:rPr lang="zh-TW" altLang="en-US" dirty="0"/>
-              <a:t>依序閃爍。</a:t>
-            </a:r>
-            <a:endParaRPr lang="en-US" altLang="zh-TW" dirty="0"/>
-          </a:p>
-          <a:p>
-            <a:pPr lvl="1" algn="just"/>
-            <a:r>
-              <a:rPr lang="zh-TW" altLang="en-US" dirty="0"/>
-              <a:t>並讀取按鍵</a:t>
-            </a:r>
-            <a:r>
-              <a:rPr lang="zh-TW" altLang="en-US" dirty="0">
-                <a:solidFill>
-                  <a:srgbClr val="FF0000"/>
-                </a:solidFill>
-              </a:rPr>
-              <a:t>是否按下</a:t>
-            </a:r>
-            <a:r>
-              <a:rPr lang="zh-TW" altLang="en-US" dirty="0"/>
-              <a:t>，進而決定跑馬燈</a:t>
-            </a:r>
-            <a:r>
-              <a:rPr lang="zh-TW" altLang="en-US" dirty="0">
-                <a:solidFill>
-                  <a:srgbClr val="FF0000"/>
-                </a:solidFill>
-              </a:rPr>
-              <a:t>速度</a:t>
-            </a:r>
-            <a:r>
-              <a:rPr lang="zh-TW" altLang="en-US" dirty="0"/>
-              <a:t>。</a:t>
-            </a:r>
-            <a:endParaRPr lang="en-US" altLang="zh-TW" dirty="0"/>
+              <a:t>依序閃爍</a:t>
+            </a:r>
           </a:p>
         </p:txBody>
       </p:sp>
@@ -10186,6 +10152,105 @@
 </file>
 
 <file path=ppt/slides/slide3.xml><?xml version="1.0" encoding="utf-8"?>
+<p:sld xmlns:a="http://schemas.openxmlformats.org/drawingml/2006/main" xmlns:r="http://schemas.openxmlformats.org/officeDocument/2006/relationships" xmlns:p="http://schemas.openxmlformats.org/presentationml/2006/main">
+  <p:cSld>
+    <p:spTree>
+      <p:nvGrpSpPr>
+        <p:cNvPr id="1" name=""/>
+        <p:cNvGrpSpPr/>
+        <p:nvPr/>
+      </p:nvGrpSpPr>
+      <p:grpSpPr>
+        <a:xfrm>
+          <a:off x="0" y="0"/>
+          <a:ext cx="0" cy="0"/>
+          <a:chOff x="0" y="0"/>
+          <a:chExt cx="0" cy="0"/>
+        </a:xfrm>
+      </p:grpSpPr>
+      <p:sp>
+        <p:nvSpPr>
+          <p:cNvPr id="2" name="標題 1">
+            <a:extLst>
+              <a:ext uri="{FF2B5EF4-FFF2-40B4-BE49-F238E27FC236}">
+                <a16:creationId xmlns:a16="http://schemas.microsoft.com/office/drawing/2014/main" id="{AA46D404-6D48-4295-B1E6-4195B6FC8B1F}"/>
+              </a:ext>
+            </a:extLst>
+          </p:cNvPr>
+          <p:cNvSpPr>
+            <a:spLocks noGrp="1"/>
+          </p:cNvSpPr>
+          <p:nvPr>
+            <p:ph type="title"/>
+          </p:nvPr>
+        </p:nvSpPr>
+        <p:spPr/>
+        <p:txBody>
+          <a:bodyPr/>
+          <a:lstStyle/>
+          <a:p>
+            <a:r>
+              <a:rPr lang="en-US" altLang="zh-TW" dirty="0"/>
+              <a:t>Lab1</a:t>
+            </a:r>
+            <a:r>
+              <a:rPr lang="zh-TW" altLang="en-US" dirty="0"/>
+              <a:t> </a:t>
+            </a:r>
+            <a:r>
+              <a:rPr lang="en-US" altLang="zh-TW" dirty="0"/>
+              <a:t>constraint</a:t>
+            </a:r>
+            <a:endParaRPr lang="zh-TW" altLang="en-US" dirty="0"/>
+          </a:p>
+        </p:txBody>
+      </p:sp>
+      <p:pic>
+        <p:nvPicPr>
+          <p:cNvPr id="4" name="內容版面配置區 3">
+            <a:extLst>
+              <a:ext uri="{FF2B5EF4-FFF2-40B4-BE49-F238E27FC236}">
+                <a16:creationId xmlns:a16="http://schemas.microsoft.com/office/drawing/2014/main" id="{6D3ABF14-64BC-4099-9634-4E7ECAEDFA0F}"/>
+              </a:ext>
+            </a:extLst>
+          </p:cNvPr>
+          <p:cNvPicPr>
+            <a:picLocks noGrp="1" noChangeAspect="1"/>
+          </p:cNvPicPr>
+          <p:nvPr>
+            <p:ph idx="1"/>
+          </p:nvPr>
+        </p:nvPicPr>
+        <p:blipFill>
+          <a:blip r:embed="rId2"/>
+          <a:stretch>
+            <a:fillRect/>
+          </a:stretch>
+        </p:blipFill>
+        <p:spPr>
+          <a:xfrm>
+            <a:off x="1313186" y="1700808"/>
+            <a:ext cx="6074715" cy="4605379"/>
+          </a:xfrm>
+          <a:prstGeom prst="rect">
+            <a:avLst/>
+          </a:prstGeom>
+        </p:spPr>
+      </p:pic>
+    </p:spTree>
+    <p:extLst>
+      <p:ext uri="{BB962C8B-B14F-4D97-AF65-F5344CB8AC3E}">
+        <p14:creationId xmlns:p14="http://schemas.microsoft.com/office/powerpoint/2010/main" val="304804841"/>
+      </p:ext>
+    </p:extLst>
+  </p:cSld>
+  <p:clrMapOvr>
+    <a:masterClrMapping/>
+  </p:clrMapOvr>
+</p:sld>
+</file>
+
+<file path=ppt/slides/slide4.xml><?xml version="1.0" encoding="utf-8"?>
 <p:sld xmlns:a="http://schemas.openxmlformats.org/drawingml/2006/main" xmlns:r="http://schemas.openxmlformats.org/officeDocument/2006/relationships" xmlns:p="http://schemas.openxmlformats.org/presentationml/2006/main">
   <p:cSld>
     <p:spTree>
@@ -15849,138 +15914,6 @@
 </p:sld>
 </file>
 
-<file path=ppt/slides/slide4.xml><?xml version="1.0" encoding="utf-8"?>
-<p:sld xmlns:a="http://schemas.openxmlformats.org/drawingml/2006/main" xmlns:r="http://schemas.openxmlformats.org/officeDocument/2006/relationships" xmlns:p="http://schemas.openxmlformats.org/presentationml/2006/main">
-  <p:cSld>
-    <p:spTree>
-      <p:nvGrpSpPr>
-        <p:cNvPr id="1" name=""/>
-        <p:cNvGrpSpPr/>
-        <p:nvPr/>
-      </p:nvGrpSpPr>
-      <p:grpSpPr>
-        <a:xfrm>
-          <a:off x="0" y="0"/>
-          <a:ext cx="0" cy="0"/>
-          <a:chOff x="0" y="0"/>
-          <a:chExt cx="0" cy="0"/>
-        </a:xfrm>
-      </p:grpSpPr>
-      <p:sp>
-        <p:nvSpPr>
-          <p:cNvPr id="2" name="標題 1"/>
-          <p:cNvSpPr>
-            <a:spLocks noGrp="1"/>
-          </p:cNvSpPr>
-          <p:nvPr>
-            <p:ph type="title"/>
-          </p:nvPr>
-        </p:nvSpPr>
-        <p:spPr/>
-        <p:txBody>
-          <a:bodyPr/>
-          <a:lstStyle/>
-          <a:p>
-            <a:br>
-              <a:rPr lang="en-US" altLang="zh-TW" dirty="0"/>
-            </a:br>
-            <a:r>
-              <a:rPr lang="en-US" altLang="zh-TW" dirty="0"/>
-              <a:t>Lab1 constraint file</a:t>
-            </a:r>
-            <a:br>
-              <a:rPr lang="en-US" altLang="zh-TW" dirty="0"/>
-            </a:br>
-            <a:endParaRPr lang="zh-TW" altLang="en-US" dirty="0"/>
-          </a:p>
-        </p:txBody>
-      </p:sp>
-      <p:pic>
-        <p:nvPicPr>
-          <p:cNvPr id="6" name="圖片 5"/>
-          <p:cNvPicPr>
-            <a:picLocks noChangeAspect="1"/>
-          </p:cNvPicPr>
-          <p:nvPr/>
-        </p:nvPicPr>
-        <p:blipFill>
-          <a:blip r:embed="rId2"/>
-          <a:stretch>
-            <a:fillRect/>
-          </a:stretch>
-        </p:blipFill>
-        <p:spPr>
-          <a:xfrm>
-            <a:off x="1253137" y="1829746"/>
-            <a:ext cx="6194814" cy="648072"/>
-          </a:xfrm>
-          <a:prstGeom prst="rect">
-            <a:avLst/>
-          </a:prstGeom>
-        </p:spPr>
-      </p:pic>
-      <p:pic>
-        <p:nvPicPr>
-          <p:cNvPr id="7" name="圖片 6"/>
-          <p:cNvPicPr>
-            <a:picLocks noChangeAspect="1"/>
-          </p:cNvPicPr>
-          <p:nvPr/>
-        </p:nvPicPr>
-        <p:blipFill rotWithShape="1">
-          <a:blip r:embed="rId3"/>
-          <a:srcRect t="79413"/>
-          <a:stretch/>
-        </p:blipFill>
-        <p:spPr>
-          <a:xfrm>
-            <a:off x="1313178" y="2688254"/>
-            <a:ext cx="6145768" cy="602318"/>
-          </a:xfrm>
-          <a:prstGeom prst="rect">
-            <a:avLst/>
-          </a:prstGeom>
-        </p:spPr>
-      </p:pic>
-      <p:pic>
-        <p:nvPicPr>
-          <p:cNvPr id="8" name="內容版面配置區 7"/>
-          <p:cNvPicPr>
-            <a:picLocks noGrp="1" noChangeAspect="1"/>
-          </p:cNvPicPr>
-          <p:nvPr>
-            <p:ph idx="1"/>
-          </p:nvPr>
-        </p:nvPicPr>
-        <p:blipFill>
-          <a:blip r:embed="rId4"/>
-          <a:stretch>
-            <a:fillRect/>
-          </a:stretch>
-        </p:blipFill>
-        <p:spPr>
-          <a:xfrm>
-            <a:off x="1291187" y="3501008"/>
-            <a:ext cx="6167759" cy="1962591"/>
-          </a:xfrm>
-          <a:prstGeom prst="rect">
-            <a:avLst/>
-          </a:prstGeom>
-        </p:spPr>
-      </p:pic>
-    </p:spTree>
-    <p:extLst>
-      <p:ext uri="{BB962C8B-B14F-4D97-AF65-F5344CB8AC3E}">
-        <p14:creationId xmlns:p14="http://schemas.microsoft.com/office/powerpoint/2010/main" val="2490933633"/>
-      </p:ext>
-    </p:extLst>
-  </p:cSld>
-  <p:clrMapOvr>
-    <a:masterClrMapping/>
-  </p:clrMapOvr>
-</p:sld>
-</file>
-
 <file path=ppt/slides/slide5.xml><?xml version="1.0" encoding="utf-8"?>
 <p:sld xmlns:a="http://schemas.openxmlformats.org/drawingml/2006/main" xmlns:r="http://schemas.openxmlformats.org/officeDocument/2006/relationships" xmlns:p="http://schemas.openxmlformats.org/presentationml/2006/main">
   <p:cSld>
@@ -16000,7 +15933,13 @@
       </p:grpSpPr>
       <p:sp>
         <p:nvSpPr>
-          <p:cNvPr id="2" name="標題 1"/>
+          <p:cNvPr id="2" name="標題 1">
+            <a:extLst>
+              <a:ext uri="{FF2B5EF4-FFF2-40B4-BE49-F238E27FC236}">
+                <a16:creationId xmlns:a16="http://schemas.microsoft.com/office/drawing/2014/main" id="{72D1D787-332A-4607-AED5-620795A412AE}"/>
+              </a:ext>
+            </a:extLst>
+          </p:cNvPr>
           <p:cNvSpPr>
             <a:spLocks noGrp="1"/>
           </p:cNvSpPr>
@@ -16018,7 +15957,23 @@
             </a:br>
             <a:r>
               <a:rPr lang="en-US" altLang="zh-TW" dirty="0"/>
-              <a:t>Lab1 constraint file</a:t>
+              <a:t>Lab1 </a:t>
+            </a:r>
+            <a:r>
+              <a:rPr lang="zh-TW" altLang="en-US" dirty="0"/>
+              <a:t>作業</a:t>
+            </a:r>
+            <a:r>
+              <a:rPr lang="en-US" altLang="zh-TW" dirty="0"/>
+              <a:t>(</a:t>
+            </a:r>
+            <a:r>
+              <a:rPr lang="zh-TW" altLang="en-US" dirty="0"/>
+              <a:t>晚上班</a:t>
+            </a:r>
+            <a:r>
+              <a:rPr lang="en-US" altLang="zh-TW" dirty="0"/>
+              <a:t>)</a:t>
             </a:r>
             <a:br>
               <a:rPr lang="en-US" altLang="zh-TW" dirty="0"/>
@@ -16027,58 +15982,291 @@
           </a:p>
         </p:txBody>
       </p:sp>
-      <p:pic>
-        <p:nvPicPr>
-          <p:cNvPr id="9" name="圖片 8"/>
-          <p:cNvPicPr>
-            <a:picLocks noChangeAspect="1"/>
-          </p:cNvPicPr>
-          <p:nvPr/>
-        </p:nvPicPr>
-        <p:blipFill>
-          <a:blip r:embed="rId2"/>
-          <a:stretch>
-            <a:fillRect/>
-          </a:stretch>
-        </p:blipFill>
+      <p:sp>
+        <p:nvSpPr>
+          <p:cNvPr id="3" name="內容版面配置區 2">
+            <a:extLst>
+              <a:ext uri="{FF2B5EF4-FFF2-40B4-BE49-F238E27FC236}">
+                <a16:creationId xmlns:a16="http://schemas.microsoft.com/office/drawing/2014/main" id="{260E057E-BE8E-42EC-A8EC-01A71E299875}"/>
+              </a:ext>
+            </a:extLst>
+          </p:cNvPr>
+          <p:cNvSpPr>
+            <a:spLocks noGrp="1"/>
+          </p:cNvSpPr>
+          <p:nvPr>
+            <p:ph idx="1"/>
+          </p:nvPr>
+        </p:nvSpPr>
         <p:spPr>
           <a:xfrm>
-            <a:off x="1254509" y="1775708"/>
-            <a:ext cx="6192070" cy="1512168"/>
+            <a:off x="251520" y="1628775"/>
+            <a:ext cx="8712969" cy="4497388"/>
           </a:xfrm>
-          <a:prstGeom prst="rect">
-            <a:avLst/>
-          </a:prstGeom>
         </p:spPr>
-      </p:pic>
-      <p:pic>
-        <p:nvPicPr>
-          <p:cNvPr id="10" name="圖片 9"/>
-          <p:cNvPicPr>
-            <a:picLocks noChangeAspect="1"/>
-          </p:cNvPicPr>
-          <p:nvPr/>
-        </p:nvPicPr>
-        <p:blipFill>
-          <a:blip r:embed="rId3"/>
-          <a:stretch>
-            <a:fillRect/>
-          </a:stretch>
-        </p:blipFill>
-        <p:spPr>
-          <a:xfrm>
-            <a:off x="1254509" y="3395193"/>
-            <a:ext cx="6192070" cy="2681113"/>
-          </a:xfrm>
-          <a:prstGeom prst="rect">
-            <a:avLst/>
-          </a:prstGeom>
-        </p:spPr>
-      </p:pic>
+        <p:txBody>
+          <a:bodyPr/>
+          <a:lstStyle/>
+          <a:p>
+            <a:pPr algn="just"/>
+            <a:r>
+              <a:rPr lang="zh-TW" altLang="en-US" dirty="0"/>
+              <a:t>晚上班</a:t>
+            </a:r>
+            <a:r>
+              <a:rPr lang="en-US" altLang="zh-TW" dirty="0"/>
+              <a:t>:</a:t>
+            </a:r>
+          </a:p>
+          <a:p>
+            <a:pPr algn="just"/>
+            <a:r>
+              <a:rPr lang="zh-TW" altLang="en-US" dirty="0"/>
+              <a:t>將</a:t>
+            </a:r>
+            <a:r>
+              <a:rPr lang="en-US" altLang="zh-TW" dirty="0" err="1"/>
+              <a:t>example_code</a:t>
+            </a:r>
+            <a:r>
+              <a:rPr lang="zh-TW" altLang="en-US" dirty="0"/>
+              <a:t>稍作修改，設計功能如下</a:t>
+            </a:r>
+            <a:r>
+              <a:rPr lang="en-US" altLang="zh-TW" dirty="0"/>
+              <a:t>:</a:t>
+            </a:r>
+          </a:p>
+          <a:p>
+            <a:pPr lvl="1" algn="just"/>
+            <a:r>
+              <a:rPr lang="en-US" altLang="zh-TW" dirty="0"/>
+              <a:t>1.</a:t>
+            </a:r>
+            <a:r>
+              <a:rPr lang="zh-TW" altLang="en-US" dirty="0">
+                <a:solidFill>
+                  <a:srgbClr val="FF0000"/>
+                </a:solidFill>
+              </a:rPr>
+              <a:t>降低</a:t>
+            </a:r>
+            <a:r>
+              <a:rPr lang="zh-TW" altLang="en-US" dirty="0"/>
+              <a:t>跑馬燈的速度</a:t>
+            </a:r>
+            <a:endParaRPr lang="en-US" altLang="zh-TW" dirty="0"/>
+          </a:p>
+          <a:p>
+            <a:pPr lvl="1" algn="just"/>
+            <a:r>
+              <a:rPr lang="en-US" altLang="zh-TW" dirty="0"/>
+              <a:t>2.</a:t>
+            </a:r>
+            <a:r>
+              <a:rPr lang="zh-TW" altLang="en-US" dirty="0"/>
+              <a:t>改為從中間到兩側</a:t>
+            </a:r>
+            <a:endParaRPr lang="en-US" altLang="zh-TW" dirty="0"/>
+          </a:p>
+          <a:p>
+            <a:pPr lvl="2" algn="just"/>
+            <a:r>
+              <a:rPr lang="zh-TW" altLang="en-US" dirty="0"/>
+              <a:t>  </a:t>
+            </a:r>
+            <a:r>
+              <a:rPr lang="en-US" altLang="zh-TW" dirty="0"/>
+              <a:t>1.(</a:t>
+            </a:r>
+            <a:r>
+              <a:rPr lang="zh-TW" altLang="en-US" dirty="0"/>
+              <a:t>● ● ● ● ● ● ● ○ ○ ● ● ● ● ● ● ●</a:t>
+            </a:r>
+            <a:r>
+              <a:rPr lang="en-US" altLang="zh-TW" dirty="0"/>
+              <a:t>)</a:t>
+            </a:r>
+            <a:r>
+              <a:rPr lang="zh-TW" altLang="en-US" dirty="0"/>
+              <a:t> </a:t>
+            </a:r>
+            <a:endParaRPr lang="en-US" altLang="zh-TW" dirty="0"/>
+          </a:p>
+          <a:p>
+            <a:pPr lvl="2" algn="just"/>
+            <a:r>
+              <a:rPr lang="zh-TW" altLang="en-US" dirty="0"/>
+              <a:t>  </a:t>
+            </a:r>
+            <a:r>
+              <a:rPr lang="en-US" altLang="zh-TW" dirty="0"/>
+              <a:t>2.(</a:t>
+            </a:r>
+            <a:r>
+              <a:rPr lang="zh-TW" altLang="en-US" dirty="0"/>
+              <a:t>● ● ● ● ● ● ○ ● ● ○ ● ● ● ● ● ●</a:t>
+            </a:r>
+            <a:r>
+              <a:rPr lang="en-US" altLang="zh-TW" dirty="0"/>
+              <a:t>)</a:t>
+            </a:r>
+          </a:p>
+          <a:p>
+            <a:pPr lvl="2" algn="just"/>
+            <a:r>
+              <a:rPr lang="zh-TW" altLang="en-US" dirty="0"/>
+              <a:t>  </a:t>
+            </a:r>
+            <a:r>
+              <a:rPr lang="en-US" altLang="zh-TW" dirty="0"/>
+              <a:t>3.(</a:t>
+            </a:r>
+            <a:r>
+              <a:rPr lang="zh-TW" altLang="en-US" dirty="0"/>
+              <a:t>● ● ● ● ● ○ ● ● ● ● ○ ● ● ● ● ●</a:t>
+            </a:r>
+            <a:r>
+              <a:rPr lang="en-US" altLang="zh-TW" dirty="0"/>
+              <a:t>)</a:t>
+            </a:r>
+          </a:p>
+          <a:p>
+            <a:pPr lvl="2" algn="just"/>
+            <a:r>
+              <a:rPr lang="zh-TW" altLang="en-US" dirty="0"/>
+              <a:t>  </a:t>
+            </a:r>
+            <a:r>
+              <a:rPr lang="en-US" altLang="zh-TW" dirty="0"/>
+              <a:t>4.(</a:t>
+            </a:r>
+            <a:r>
+              <a:rPr lang="zh-TW" altLang="en-US" dirty="0"/>
+              <a:t>● ● ● ● ○ ● ● ● ● ● ● ○ ● ● ● ●</a:t>
+            </a:r>
+            <a:r>
+              <a:rPr lang="en-US" altLang="zh-TW" dirty="0"/>
+              <a:t>)</a:t>
+            </a:r>
+          </a:p>
+          <a:p>
+            <a:pPr lvl="2" algn="just"/>
+            <a:r>
+              <a:rPr lang="zh-TW" altLang="en-US" dirty="0"/>
+              <a:t>  </a:t>
+            </a:r>
+            <a:r>
+              <a:rPr lang="en-US" altLang="zh-TW" dirty="0"/>
+              <a:t>5.(</a:t>
+            </a:r>
+            <a:r>
+              <a:rPr lang="zh-TW" altLang="en-US" dirty="0"/>
+              <a:t>● ● ● ○ ● ● ● ● ● ● ● ● ○ ● ● ●</a:t>
+            </a:r>
+            <a:r>
+              <a:rPr lang="en-US" altLang="zh-TW" dirty="0"/>
+              <a:t>)</a:t>
+            </a:r>
+          </a:p>
+          <a:p>
+            <a:pPr lvl="2" algn="just"/>
+            <a:r>
+              <a:rPr lang="zh-TW" altLang="en-US" dirty="0"/>
+              <a:t>  </a:t>
+            </a:r>
+            <a:r>
+              <a:rPr lang="en-US" altLang="zh-TW" dirty="0"/>
+              <a:t>6.(</a:t>
+            </a:r>
+            <a:r>
+              <a:rPr lang="zh-TW" altLang="en-US" dirty="0"/>
+              <a:t>● ● ○ ● ● ● ● ● ● ● ● ● ● ○ ● ●</a:t>
+            </a:r>
+            <a:r>
+              <a:rPr lang="en-US" altLang="zh-TW" dirty="0"/>
+              <a:t>)</a:t>
+            </a:r>
+          </a:p>
+          <a:p>
+            <a:pPr lvl="2" algn="just"/>
+            <a:r>
+              <a:rPr lang="zh-TW" altLang="en-US" dirty="0"/>
+              <a:t>  </a:t>
+            </a:r>
+            <a:r>
+              <a:rPr lang="en-US" altLang="zh-TW" dirty="0"/>
+              <a:t>7.(</a:t>
+            </a:r>
+            <a:r>
+              <a:rPr lang="zh-TW" altLang="en-US" dirty="0"/>
+              <a:t>● ○ ● ● ● ● ● ● ● ● ● ● ● ● ○ ●</a:t>
+            </a:r>
+            <a:r>
+              <a:rPr lang="en-US" altLang="zh-TW" dirty="0"/>
+              <a:t>)</a:t>
+            </a:r>
+          </a:p>
+          <a:p>
+            <a:pPr lvl="2" algn="just"/>
+            <a:r>
+              <a:rPr lang="zh-TW" altLang="en-US" dirty="0"/>
+              <a:t>  </a:t>
+            </a:r>
+            <a:r>
+              <a:rPr lang="en-US" altLang="zh-TW" dirty="0"/>
+              <a:t>8.(</a:t>
+            </a:r>
+            <a:r>
+              <a:rPr lang="zh-TW" altLang="en-US" dirty="0"/>
+              <a:t>○ ● ● ● ● ● ● ● ● ● ● ● ● ● ● ○</a:t>
+            </a:r>
+            <a:r>
+              <a:rPr lang="en-US" altLang="zh-TW" dirty="0"/>
+              <a:t>)	</a:t>
+            </a:r>
+          </a:p>
+          <a:p>
+            <a:pPr lvl="1" algn="just"/>
+            <a:r>
+              <a:rPr lang="en-US" altLang="zh-TW" dirty="0"/>
+              <a:t>3.</a:t>
+            </a:r>
+            <a:r>
+              <a:rPr lang="zh-TW" altLang="en-US" dirty="0"/>
+              <a:t>上述</a:t>
+            </a:r>
+            <a:r>
+              <a:rPr lang="en-US" altLang="zh-TW" dirty="0"/>
+              <a:t>1.</a:t>
+            </a:r>
+            <a:r>
+              <a:rPr lang="zh-TW" altLang="en-US" dirty="0"/>
+              <a:t>為</a:t>
+            </a:r>
+            <a:r>
+              <a:rPr lang="en-US" altLang="zh-TW" dirty="0"/>
+              <a:t>reset</a:t>
+            </a:r>
+            <a:r>
+              <a:rPr lang="zh-TW" altLang="en-US" dirty="0"/>
+              <a:t>後狀態</a:t>
+            </a:r>
+            <a:endParaRPr lang="en-US" altLang="zh-TW" dirty="0"/>
+          </a:p>
+          <a:p>
+            <a:pPr lvl="2" algn="just"/>
+            <a:endParaRPr lang="en-US" altLang="zh-TW" dirty="0"/>
+          </a:p>
+          <a:p>
+            <a:endParaRPr lang="zh-TW" altLang="en-US" dirty="0"/>
+          </a:p>
+        </p:txBody>
+      </p:sp>
     </p:spTree>
     <p:extLst>
       <p:ext uri="{BB962C8B-B14F-4D97-AF65-F5344CB8AC3E}">
-        <p14:creationId xmlns:p14="http://schemas.microsoft.com/office/powerpoint/2010/main" val="359691746"/>
+        <p14:creationId xmlns:p14="http://schemas.microsoft.com/office/powerpoint/2010/main" val="3881404085"/>
       </p:ext>
     </p:extLst>
   </p:cSld>
@@ -16199,8 +16387,8 @@
               <a:t>將</a:t>
             </a:r>
             <a:r>
-              <a:rPr lang="en-US" altLang="zh-TW" dirty="0"/>
-              <a:t>Lab1</a:t>
+              <a:rPr lang="en-US" altLang="zh-TW" dirty="0" err="1"/>
+              <a:t>example_code</a:t>
             </a:r>
             <a:r>
               <a:rPr lang="zh-TW" altLang="en-US" dirty="0"/>
@@ -16239,7 +16427,7 @@
             </a:r>
             <a:r>
               <a:rPr lang="zh-TW" altLang="en-US" dirty="0"/>
-              <a:t>改為從兩側到中間</a:t>
+              <a:t>到兩側後返回中間</a:t>
             </a:r>
             <a:endParaRPr lang="en-US" altLang="zh-TW" dirty="0"/>
           </a:p>
@@ -16251,7 +16439,7 @@
             </a:r>
             <a:r>
               <a:rPr lang="en-US" altLang="zh-TW" dirty="0"/>
-              <a:t>1.(</a:t>
+              <a:t>9.(</a:t>
             </a:r>
             <a:r>
               <a:rPr lang="zh-TW" altLang="en-US" dirty="0"/>
@@ -16270,12 +16458,8 @@
           <a:p>
             <a:pPr lvl="2" algn="just"/>
             <a:r>
-              <a:rPr lang="zh-TW" altLang="en-US" dirty="0"/>
-              <a:t>  </a:t>
-            </a:r>
-            <a:r>
               <a:rPr lang="en-US" altLang="zh-TW" dirty="0"/>
-              <a:t>2.(</a:t>
+              <a:t>10.(</a:t>
             </a:r>
             <a:r>
               <a:rPr lang="zh-TW" altLang="en-US" dirty="0"/>
@@ -16289,12 +16473,8 @@
           <a:p>
             <a:pPr lvl="2" algn="just"/>
             <a:r>
-              <a:rPr lang="zh-TW" altLang="en-US" dirty="0"/>
-              <a:t>  </a:t>
-            </a:r>
-            <a:r>
               <a:rPr lang="en-US" altLang="zh-TW" dirty="0"/>
-              <a:t>3.(</a:t>
+              <a:t>11.(</a:t>
             </a:r>
             <a:r>
               <a:rPr lang="zh-TW" altLang="en-US" dirty="0"/>
@@ -16308,12 +16488,8 @@
           <a:p>
             <a:pPr lvl="2" algn="just"/>
             <a:r>
-              <a:rPr lang="zh-TW" altLang="en-US" dirty="0"/>
-              <a:t>  </a:t>
-            </a:r>
-            <a:r>
               <a:rPr lang="en-US" altLang="zh-TW" dirty="0"/>
-              <a:t>4.(</a:t>
+              <a:t>12.(</a:t>
             </a:r>
             <a:r>
               <a:rPr lang="zh-TW" altLang="en-US" dirty="0"/>
@@ -16327,12 +16503,8 @@
           <a:p>
             <a:pPr lvl="2" algn="just"/>
             <a:r>
-              <a:rPr lang="zh-TW" altLang="en-US" dirty="0"/>
-              <a:t>  </a:t>
-            </a:r>
-            <a:r>
               <a:rPr lang="en-US" altLang="zh-TW" dirty="0"/>
-              <a:t>5.(</a:t>
+              <a:t>13.(</a:t>
             </a:r>
             <a:r>
               <a:rPr lang="zh-TW" altLang="en-US" dirty="0"/>
@@ -16346,12 +16518,8 @@
           <a:p>
             <a:pPr lvl="2" algn="just"/>
             <a:r>
-              <a:rPr lang="zh-TW" altLang="en-US" dirty="0"/>
-              <a:t>  </a:t>
-            </a:r>
-            <a:r>
               <a:rPr lang="en-US" altLang="zh-TW" dirty="0"/>
-              <a:t>6.(</a:t>
+              <a:t>14.(</a:t>
             </a:r>
             <a:r>
               <a:rPr lang="zh-TW" altLang="en-US" dirty="0"/>
@@ -16365,12 +16533,8 @@
           <a:p>
             <a:pPr lvl="2" algn="just"/>
             <a:r>
-              <a:rPr lang="zh-TW" altLang="en-US" dirty="0"/>
-              <a:t>  </a:t>
-            </a:r>
-            <a:r>
               <a:rPr lang="en-US" altLang="zh-TW" dirty="0"/>
-              <a:t>7.(</a:t>
+              <a:t>15.(</a:t>
             </a:r>
             <a:r>
               <a:rPr lang="zh-TW" altLang="en-US" dirty="0"/>
@@ -16384,12 +16548,8 @@
           <a:p>
             <a:pPr lvl="2" algn="just"/>
             <a:r>
-              <a:rPr lang="zh-TW" altLang="en-US" dirty="0"/>
-              <a:t>  </a:t>
-            </a:r>
-            <a:r>
               <a:rPr lang="en-US" altLang="zh-TW" dirty="0"/>
-              <a:t>8.(</a:t>
+              <a:t>16.(</a:t>
             </a:r>
             <a:r>
               <a:rPr lang="zh-TW" altLang="en-US" dirty="0"/>
@@ -16398,154 +16558,25 @@
             <a:r>
               <a:rPr lang="en-US" altLang="zh-TW" dirty="0"/>
               <a:t>)	</a:t>
-            </a:r>
-          </a:p>
-          <a:p>
-            <a:endParaRPr lang="zh-TW" altLang="en-US" dirty="0"/>
-          </a:p>
-        </p:txBody>
-      </p:sp>
-    </p:spTree>
-    <p:extLst>
-      <p:ext uri="{BB962C8B-B14F-4D97-AF65-F5344CB8AC3E}">
-        <p14:creationId xmlns:p14="http://schemas.microsoft.com/office/powerpoint/2010/main" val="3881404085"/>
-      </p:ext>
-    </p:extLst>
-  </p:cSld>
-  <p:clrMapOvr>
-    <a:masterClrMapping/>
-  </p:clrMapOvr>
-</p:sld>
-</file>
-
-<file path=ppt/slides/slide7.xml><?xml version="1.0" encoding="utf-8"?>
-<p:sld xmlns:a="http://schemas.openxmlformats.org/drawingml/2006/main" xmlns:r="http://schemas.openxmlformats.org/officeDocument/2006/relationships" xmlns:p="http://schemas.openxmlformats.org/presentationml/2006/main">
-  <p:cSld>
-    <p:spTree>
-      <p:nvGrpSpPr>
-        <p:cNvPr id="1" name=""/>
-        <p:cNvGrpSpPr/>
-        <p:nvPr/>
-      </p:nvGrpSpPr>
-      <p:grpSpPr>
-        <a:xfrm>
-          <a:off x="0" y="0"/>
-          <a:ext cx="0" cy="0"/>
-          <a:chOff x="0" y="0"/>
-          <a:chExt cx="0" cy="0"/>
-        </a:xfrm>
-      </p:grpSpPr>
-      <p:sp>
-        <p:nvSpPr>
-          <p:cNvPr id="2" name="標題 1">
-            <a:extLst>
-              <a:ext uri="{FF2B5EF4-FFF2-40B4-BE49-F238E27FC236}">
-                <a16:creationId xmlns:a16="http://schemas.microsoft.com/office/drawing/2014/main" id="{72D1D787-332A-4607-AED5-620795A412AE}"/>
-              </a:ext>
-            </a:extLst>
-          </p:cNvPr>
-          <p:cNvSpPr>
-            <a:spLocks noGrp="1"/>
-          </p:cNvSpPr>
-          <p:nvPr>
-            <p:ph type="title"/>
-          </p:nvPr>
-        </p:nvSpPr>
-        <p:spPr/>
-        <p:txBody>
-          <a:bodyPr/>
-          <a:lstStyle/>
-          <a:p>
-            <a:br>
-              <a:rPr lang="en-US" altLang="zh-TW" dirty="0"/>
-            </a:br>
-            <a:r>
-              <a:rPr lang="en-US" altLang="zh-TW" dirty="0"/>
-              <a:t>Lab1 </a:t>
-            </a:r>
-            <a:r>
-              <a:rPr lang="zh-TW" altLang="en-US" dirty="0"/>
-              <a:t>作業</a:t>
-            </a:r>
-            <a:r>
-              <a:rPr lang="en-US" altLang="zh-TW" dirty="0"/>
-              <a:t>(</a:t>
-            </a:r>
-            <a:r>
-              <a:rPr lang="zh-TW" altLang="en-US" dirty="0"/>
-              <a:t>晚上班</a:t>
-            </a:r>
-            <a:r>
-              <a:rPr lang="en-US" altLang="zh-TW" dirty="0"/>
-              <a:t>)</a:t>
-            </a:r>
-            <a:br>
-              <a:rPr lang="en-US" altLang="zh-TW" dirty="0"/>
-            </a:br>
-            <a:endParaRPr lang="zh-TW" altLang="en-US" dirty="0"/>
-          </a:p>
-        </p:txBody>
-      </p:sp>
-      <p:sp>
-        <p:nvSpPr>
-          <p:cNvPr id="3" name="內容版面配置區 2">
-            <a:extLst>
-              <a:ext uri="{FF2B5EF4-FFF2-40B4-BE49-F238E27FC236}">
-                <a16:creationId xmlns:a16="http://schemas.microsoft.com/office/drawing/2014/main" id="{260E057E-BE8E-42EC-A8EC-01A71E299875}"/>
-              </a:ext>
-            </a:extLst>
-          </p:cNvPr>
-          <p:cNvSpPr>
-            <a:spLocks noGrp="1"/>
-          </p:cNvSpPr>
-          <p:nvPr>
-            <p:ph idx="1"/>
-          </p:nvPr>
-        </p:nvSpPr>
-        <p:spPr>
-          <a:xfrm>
-            <a:off x="251520" y="1628775"/>
-            <a:ext cx="8712969" cy="4497388"/>
-          </a:xfrm>
-        </p:spPr>
-        <p:txBody>
-          <a:bodyPr/>
-          <a:lstStyle/>
-          <a:p>
-            <a:pPr algn="just"/>
-            <a:r>
-              <a:rPr lang="zh-TW" altLang="en-US" dirty="0"/>
-              <a:t>晚上班</a:t>
-            </a:r>
-            <a:r>
-              <a:rPr lang="en-US" altLang="zh-TW" dirty="0"/>
-              <a:t>:</a:t>
-            </a:r>
-          </a:p>
-          <a:p>
-            <a:pPr algn="just"/>
-            <a:r>
-              <a:rPr lang="zh-TW" altLang="en-US" dirty="0"/>
-              <a:t>將</a:t>
-            </a:r>
-            <a:r>
-              <a:rPr lang="en-US" altLang="zh-TW" dirty="0"/>
-              <a:t>Lab1</a:t>
-            </a:r>
-            <a:r>
-              <a:rPr lang="zh-TW" altLang="en-US" dirty="0"/>
-              <a:t>稍作修改，設計功能如下</a:t>
-            </a:r>
-            <a:r>
-              <a:rPr lang="en-US" altLang="zh-TW" dirty="0"/>
-              <a:t>:</a:t>
             </a:r>
           </a:p>
           <a:p>
             <a:pPr lvl="1" algn="just"/>
             <a:r>
               <a:rPr lang="en-US" altLang="zh-TW" dirty="0"/>
-              <a:t>1.</a:t>
+              <a:t>3.</a:t>
+            </a:r>
+            <a:r>
+              <a:rPr lang="zh-TW" altLang="en-US" dirty="0"/>
+              <a:t>按下</a:t>
+            </a:r>
+            <a:r>
+              <a:rPr lang="en-US" altLang="zh-TW" dirty="0" err="1"/>
+              <a:t>btn</a:t>
+            </a:r>
+            <a:r>
+              <a:rPr lang="zh-TW" altLang="en-US" dirty="0"/>
+              <a:t>會</a:t>
             </a:r>
             <a:r>
               <a:rPr lang="zh-TW" altLang="en-US" dirty="0">
@@ -16553,167 +16584,15 @@
                   <a:srgbClr val="FF0000"/>
                 </a:solidFill>
               </a:rPr>
-              <a:t>降低</a:t>
-            </a:r>
-            <a:r>
-              <a:rPr lang="zh-TW" altLang="en-US" dirty="0"/>
-              <a:t>跑馬燈的速度</a:t>
-            </a:r>
-            <a:endParaRPr lang="en-US" altLang="zh-TW" dirty="0"/>
-          </a:p>
-          <a:p>
-            <a:pPr lvl="1" algn="just"/>
-            <a:r>
-              <a:rPr lang="en-US" altLang="zh-TW" dirty="0"/>
-              <a:t>2.</a:t>
-            </a:r>
-            <a:r>
-              <a:rPr lang="zh-TW" altLang="en-US" dirty="0"/>
-              <a:t>改為從兩側到中間</a:t>
-            </a:r>
-            <a:endParaRPr lang="en-US" altLang="zh-TW" dirty="0"/>
-          </a:p>
-          <a:p>
-            <a:pPr lvl="2" algn="just"/>
-            <a:r>
-              <a:rPr lang="zh-TW" altLang="en-US" dirty="0"/>
-              <a:t>  </a:t>
-            </a:r>
-            <a:r>
-              <a:rPr lang="en-US" altLang="zh-TW" dirty="0"/>
-              <a:t>9.(</a:t>
-            </a:r>
-            <a:r>
-              <a:rPr lang="zh-TW" altLang="en-US" dirty="0"/>
-              <a:t>● ● ● ● ● ● ● ○ ○ ● ● ● ● ● ● ●</a:t>
-            </a:r>
-            <a:r>
-              <a:rPr lang="en-US" altLang="zh-TW" dirty="0"/>
-              <a:t>)</a:t>
-            </a:r>
-            <a:r>
-              <a:rPr lang="zh-TW" altLang="en-US" dirty="0"/>
-              <a:t> </a:t>
-            </a:r>
-            <a:endParaRPr lang="en-US" altLang="zh-TW" dirty="0"/>
-          </a:p>
-          <a:p>
-            <a:pPr lvl="2" algn="just"/>
-            <a:r>
-              <a:rPr lang="en-US" altLang="zh-TW" dirty="0"/>
-              <a:t>10.(</a:t>
-            </a:r>
-            <a:r>
-              <a:rPr lang="zh-TW" altLang="en-US" dirty="0"/>
-              <a:t>● ● ● ● ● ● ○ ● ● ○ ● ● ● ● ● ●</a:t>
-            </a:r>
-            <a:r>
-              <a:rPr lang="en-US" altLang="zh-TW" dirty="0"/>
-              <a:t>)</a:t>
-            </a:r>
-          </a:p>
-          <a:p>
-            <a:pPr lvl="2" algn="just"/>
-            <a:r>
-              <a:rPr lang="en-US" altLang="zh-TW" dirty="0"/>
-              <a:t>11.(</a:t>
-            </a:r>
-            <a:r>
-              <a:rPr lang="zh-TW" altLang="en-US" dirty="0"/>
-              <a:t>● ● ● ● ● ○ ● ● ● ● ○ ● ● ● ● ●</a:t>
-            </a:r>
-            <a:r>
-              <a:rPr lang="en-US" altLang="zh-TW" dirty="0"/>
-              <a:t>)</a:t>
-            </a:r>
-          </a:p>
-          <a:p>
-            <a:pPr lvl="2" algn="just"/>
-            <a:r>
-              <a:rPr lang="en-US" altLang="zh-TW" dirty="0"/>
-              <a:t>12.(</a:t>
-            </a:r>
-            <a:r>
-              <a:rPr lang="zh-TW" altLang="en-US" dirty="0"/>
-              <a:t>● ● ● ● ○ ● ● ● ● ● ● ○ ● ● ● ●</a:t>
-            </a:r>
-            <a:r>
-              <a:rPr lang="en-US" altLang="zh-TW" dirty="0"/>
-              <a:t>)</a:t>
-            </a:r>
-          </a:p>
-          <a:p>
-            <a:pPr lvl="2" algn="just"/>
-            <a:r>
-              <a:rPr lang="en-US" altLang="zh-TW" dirty="0"/>
-              <a:t>13.(</a:t>
-            </a:r>
-            <a:r>
-              <a:rPr lang="zh-TW" altLang="en-US" dirty="0"/>
-              <a:t>● ● ● ○ ● ● ● ● ● ● ● ● ○ ● ● ●</a:t>
-            </a:r>
-            <a:r>
-              <a:rPr lang="en-US" altLang="zh-TW" dirty="0"/>
-              <a:t>)</a:t>
-            </a:r>
-          </a:p>
-          <a:p>
-            <a:pPr lvl="2" algn="just"/>
-            <a:r>
-              <a:rPr lang="en-US" altLang="zh-TW" dirty="0"/>
-              <a:t>14.(</a:t>
-            </a:r>
-            <a:r>
-              <a:rPr lang="zh-TW" altLang="en-US" dirty="0"/>
-              <a:t>● ● ○ ● ● ● ● ● ● ● ● ● ● ○ ● ●</a:t>
-            </a:r>
-            <a:r>
-              <a:rPr lang="en-US" altLang="zh-TW" dirty="0"/>
-              <a:t>)</a:t>
-            </a:r>
-          </a:p>
-          <a:p>
-            <a:pPr lvl="2" algn="just"/>
-            <a:r>
-              <a:rPr lang="en-US" altLang="zh-TW" dirty="0"/>
-              <a:t>15.(</a:t>
-            </a:r>
-            <a:r>
-              <a:rPr lang="zh-TW" altLang="en-US" dirty="0"/>
-              <a:t>● ○ ● ● ● ● ● ● ● ● ● ● ● ● ○ ●</a:t>
-            </a:r>
-            <a:r>
-              <a:rPr lang="en-US" altLang="zh-TW" dirty="0"/>
-              <a:t>)</a:t>
-            </a:r>
-          </a:p>
-          <a:p>
-            <a:pPr lvl="2" algn="just"/>
-            <a:r>
-              <a:rPr lang="en-US" altLang="zh-TW" dirty="0"/>
-              <a:t>16.(</a:t>
-            </a:r>
-            <a:r>
-              <a:rPr lang="zh-TW" altLang="en-US" dirty="0"/>
-              <a:t>○ ● ● ● ● ● ● ● ● ● ● ● ● ● ● ○</a:t>
-            </a:r>
-            <a:r>
-              <a:rPr lang="en-US" altLang="zh-TW" dirty="0"/>
-              <a:t>)	</a:t>
-            </a:r>
-          </a:p>
-          <a:p>
-            <a:r>
-              <a:rPr lang="en-US" altLang="zh-TW" dirty="0"/>
-              <a:t>3.</a:t>
-            </a:r>
-            <a:r>
-              <a:rPr lang="zh-TW" altLang="en-US" dirty="0"/>
-              <a:t>按下</a:t>
-            </a:r>
-            <a:r>
-              <a:rPr lang="en-US" altLang="zh-TW" dirty="0" err="1"/>
-              <a:t>btn</a:t>
+              <a:t>反向</a:t>
+            </a:r>
+            <a:r>
+              <a:rPr lang="en-US" altLang="zh-TW" dirty="0">
+                <a:solidFill>
+                  <a:srgbClr val="FF0000"/>
+                </a:solidFill>
+              </a:rPr>
+              <a:t>(</a:t>
             </a:r>
             <a:r>
               <a:rPr lang="zh-TW" altLang="en-US" dirty="0">
@@ -16721,9 +16600,21 @@
                   <a:srgbClr val="FF0000"/>
                 </a:solidFill>
               </a:rPr>
-              <a:t>會反向</a:t>
-            </a:r>
-            <a:endParaRPr lang="zh-TW" altLang="en-US" dirty="0"/>
+              <a:t>可參考示範影片</a:t>
+            </a:r>
+            <a:r>
+              <a:rPr lang="en-US" altLang="zh-TW" dirty="0">
+                <a:solidFill>
+                  <a:srgbClr val="FF0000"/>
+                </a:solidFill>
+              </a:rPr>
+              <a:t>)</a:t>
+            </a:r>
+            <a:endParaRPr lang="zh-TW" altLang="en-US" dirty="0">
+              <a:solidFill>
+                <a:srgbClr val="FF0000"/>
+              </a:solidFill>
+            </a:endParaRPr>
           </a:p>
         </p:txBody>
       </p:sp>
@@ -16740,7 +16631,7 @@
 </p:sld>
 </file>
 
-<file path=ppt/slides/slide8.xml><?xml version="1.0" encoding="utf-8"?>
+<file path=ppt/slides/slide7.xml><?xml version="1.0" encoding="utf-8"?>
 <p:sld xmlns:a="http://schemas.openxmlformats.org/drawingml/2006/main" xmlns:r="http://schemas.openxmlformats.org/officeDocument/2006/relationships" xmlns:p="http://schemas.openxmlformats.org/presentationml/2006/main">
   <p:cSld>
     <p:spTree>
